--- a/OutputFiles/CubeQuery2.pptx
+++ b/OutputFiles/CubeQuery2.pptx
@@ -4243,7 +4243,7 @@
       </p:pic>
       <p:pic>
         <p:nvPicPr>
-          <p:cNvPr id="4" name="9NRWN4G.wav">
+          <p:cNvPr id="4" name="IJZ0Z0X6.wav">
             <a:hlinkClick r:id="" action="ppaction://media"/>
           </p:cNvPr>
           <p:cNvPicPr>
@@ -4962,7 +4962,7 @@
       </p:graphicFrame>
       <p:pic>
         <p:nvPicPr>
-          <p:cNvPr id="4" name="AJ0PHZXQC.wav">
+          <p:cNvPr id="4" name="MCDE04P.wav">
             <a:hlinkClick r:id="" action="ppaction://media"/>
           </p:cNvPr>
           <p:cNvPicPr>
@@ -5273,7 +5273,7 @@
       </p:sp>
       <p:pic>
         <p:nvPicPr>
-          <p:cNvPr id="4" name="5K8JJ52T.wav">
+          <p:cNvPr id="4" name="4BT0EZ93T.wav">
             <a:hlinkClick r:id="" action="ppaction://media"/>
           </p:cNvPr>
           <p:cNvPicPr>
@@ -5772,7 +5772,7 @@
       </p:graphicFrame>
       <p:pic>
         <p:nvPicPr>
-          <p:cNvPr id="4" name="KNUGFS.wav">
+          <p:cNvPr id="4" name="4GCUQ4.wav">
             <a:hlinkClick r:id="" action="ppaction://media"/>
           </p:cNvPr>
           <p:cNvPicPr>
@@ -6038,7 +6038,7 @@
       </p:sp>
       <p:pic>
         <p:nvPicPr>
-          <p:cNvPr id="4" name="E5RN1MA3.wav">
+          <p:cNvPr id="4" name="SZ7B7JX.wav">
             <a:hlinkClick r:id="" action="ppaction://media"/>
           </p:cNvPr>
           <p:cNvPicPr>

--- a/OutputFiles/CubeQuery2.pptx
+++ b/OutputFiles/CubeQuery2.pptx
@@ -536,7 +536,7 @@
           <a:p>
             <a:r>
               <a:rPr lang="en-US" smtClean="0"/>
-              <a:t>This is a report on the Avg of work hours per week when country is fixed to 'Europe' and work is fixed to 'With-Pay'. We will start by answering the original query and we complement the result with contextualization and detailed analyses.</a:t>
+              <a:t>This is a report on the Avg of hours_per_week when country is fixed to 'Europe' and work is fixed to 'With-Pay'. We will start by answering the original query and we complement the result with contextualization and detailed analyses.</a:t>
             </a:r>
             <a:endParaRPr lang="en-US"/>
           </a:p>
@@ -624,7 +624,7 @@
           <a:p>
             <a:r>
               <a:rPr lang="en-US" smtClean="0"/>
-              <a:t>Here, you can see the answer of the original query. You have specified country to be equal to 'Europe', and work to be equal to 'With-Pay'. We report on Avg of work hours per week grouped by country at level 0, and work at level 1 .
+              <a:t>Here, you can see the answer of the original query. You have specified country to be equal to 'Europe', and work to be equal to 'With-Pay'. We report on Avg of hours_per_week grouped by country at level 0, and work at level 1 .
 You can observe the results in this table. We highlight the largest value with red and the lowest value with blue color. 
 Column has 0 of the 0 highest values.
 Column Gov has 0 of the 0 highest values.
@@ -811,7 +811,7 @@
           <a:p>
             <a:r>
               <a:rPr lang="en-US" smtClean="0"/>
-              <a:t>In this graphic, we put the original request in context by comparing the value 'With-Pay' for work at level 2 with its sibling values. We highlight the reference cells with bold, the highest value with red and the lowest value with blue color. We calculate the Avg of work hours per week while fixing country at level 1 to be equal to ''Europe'', and work at level 3 to be equal to ''ALL''.
+              <a:t>In this graphic, we put the original request in context by comparing the value 'With-Pay' for work at level 2 with its sibling values. We highlight the reference cells with bold, the highest value with red and the lowest value with blue color. We calculate the Avg of hours_per_week while fixing country at level 1 to be equal to ''Europe'', and work at level 3 to be equal to ''ALL''.
 </a:t>
             </a:r>
             <a:endParaRPr lang="en-US"/>
@@ -4212,7 +4212,7 @@
             <a:pPr algn="just"/>
             <a:r>
               <a:rPr lang="en-US" b="false" sz="2000"/>
-              <a:t>This is a report on the Avg of work hours per week when country is fixed to 'Europe' and work is fixed to 'With-Pay'. We will start by answering the original query and we complement the result with contextualization and detailed analyses.</a:t>
+              <a:t>This is a report on the Avg of hours_per_week when country is fixed to 'Europe' and work is fixed to 'With-Pay'. We will start by answering the original query and we complement the result with contextualization and detailed analyses.</a:t>
             </a:r>
           </a:p>
         </p:txBody>
@@ -4243,7 +4243,7 @@
       </p:pic>
       <p:pic>
         <p:nvPicPr>
-          <p:cNvPr id="4" name="IJZ0Z0X6.wav">
+          <p:cNvPr id="4" name="M69BKUN.wav">
             <a:hlinkClick r:id="" action="ppaction://media"/>
           </p:cNvPr>
           <p:cNvPicPr>
@@ -4962,7 +4962,7 @@
       </p:graphicFrame>
       <p:pic>
         <p:nvPicPr>
-          <p:cNvPr id="4" name="MCDE04P.wav">
+          <p:cNvPr id="4" name="YDS9RXIN3.wav">
             <a:hlinkClick r:id="" action="ppaction://media"/>
           </p:cNvPr>
           <p:cNvPicPr>
@@ -5273,7 +5273,7 @@
       </p:sp>
       <p:pic>
         <p:nvPicPr>
-          <p:cNvPr id="4" name="4BT0EZ93T.wav">
+          <p:cNvPr id="4" name="GQB8DNPH3.wav">
             <a:hlinkClick r:id="" action="ppaction://media"/>
           </p:cNvPr>
           <p:cNvPicPr>
@@ -5772,7 +5772,7 @@
       </p:graphicFrame>
       <p:pic>
         <p:nvPicPr>
-          <p:cNvPr id="4" name="4GCUQ4.wav">
+          <p:cNvPr id="4" name="8JC1RGIHL.wav">
             <a:hlinkClick r:id="" action="ppaction://media"/>
           </p:cNvPr>
           <p:cNvPicPr>
@@ -5975,6 +5975,13 @@
             <a:pPr lvl="0"/>
             <a:r>
               <a:rPr lang="en-US" b="false" sz="1400"/>
+              <a:t>In this slide we summarize our findings.</a:t>
+            </a:r>
+          </a:p>
+          <a:p>
+            <a:pPr lvl="1"/>
+            <a:r>
+              <a:rPr lang="en-US" b="false" sz="1400"/>
               <a:t>Concerning the original query, some interesting findings include:</a:t>
             </a:r>
           </a:p>
@@ -6038,7 +6045,7 @@
       </p:sp>
       <p:pic>
         <p:nvPicPr>
-          <p:cNvPr id="4" name="SZ7B7JX.wav">
+          <p:cNvPr id="4" name="X4ABDE4U5.wav">
             <a:hlinkClick r:id="" action="ppaction://media"/>
           </p:cNvPr>
           <p:cNvPicPr>
